--- a/Small electric vehicles.pptx
+++ b/Small electric vehicles.pptx
@@ -11,15 +11,13 @@
     <p:sldId id="262" r:id="rId5"/>
     <p:sldId id="259" r:id="rId6"/>
     <p:sldId id="261" r:id="rId7"/>
-    <p:sldId id="263" r:id="rId8"/>
-    <p:sldId id="264" r:id="rId9"/>
-    <p:sldId id="265" r:id="rId10"/>
-    <p:sldId id="266" r:id="rId11"/>
-    <p:sldId id="267" r:id="rId12"/>
-    <p:sldId id="268" r:id="rId13"/>
-    <p:sldId id="269" r:id="rId14"/>
-    <p:sldId id="270" r:id="rId15"/>
-    <p:sldId id="260" r:id="rId16"/>
+    <p:sldId id="265" r:id="rId8"/>
+    <p:sldId id="266" r:id="rId9"/>
+    <p:sldId id="267" r:id="rId10"/>
+    <p:sldId id="268" r:id="rId11"/>
+    <p:sldId id="269" r:id="rId12"/>
+    <p:sldId id="270" r:id="rId13"/>
+    <p:sldId id="260" r:id="rId14"/>
   </p:sldIdLst>
   <p:sldSz cx="12192000" cy="6858000"/>
   <p:notesSz cx="6858000" cy="9144000"/>
@@ -118,6 +116,11 @@
       </a:defRPr>
     </a:lvl9pPr>
   </p:defaultTextStyle>
+  <p:extLst>
+    <p:ext uri="{EFAFB233-063F-42B5-8137-9DF3F51BA10A}">
+      <p15:sldGuideLst xmlns:p15="http://schemas.microsoft.com/office/powerpoint/2012/main"/>
+    </p:ext>
+  </p:extLst>
 </p:presentation>
 </file>
 
@@ -131,6 +134,10 @@
     </p:extLst>
   </p:cmAuthor>
 </p:cmAuthorLst>
+</file>
+
+<file path=ppt/revisionInfo.xml><?xml version="1.0" encoding="utf-8"?>
+<p1510:revInfo xmlns:a="http://schemas.openxmlformats.org/drawingml/2006/main" xmlns:r="http://schemas.openxmlformats.org/officeDocument/2006/relationships" xmlns:p1510="http://schemas.microsoft.com/office/powerpoint/2015/10/main"/>
 </file>
 
 <file path=ppt/comments/comment1.xml><?xml version="1.0" encoding="utf-8"?>
@@ -3508,11 +3515,16 @@
           </p:cNvGraphicFramePr>
           <p:nvPr>
             <p:ph idx="1"/>
+            <p:extLst>
+              <p:ext uri="{D42A27DB-BD31-4B8C-83A1-F6EECF244321}">
+                <p14:modId xmlns:p14="http://schemas.microsoft.com/office/powerpoint/2010/main" val="1031656316"/>
+              </p:ext>
+            </p:extLst>
           </p:nvPr>
         </p:nvGraphicFramePr>
         <p:xfrm>
           <a:off x="838200" y="1825625"/>
-          <a:ext cx="10515600" cy="2966720"/>
+          <a:ext cx="10515600" cy="1483360"/>
         </p:xfrm>
         <a:graphic>
           <a:graphicData uri="http://schemas.openxmlformats.org/drawingml/2006/table">
@@ -3576,6 +3588,14 @@
                     <a:bodyPr/>
                     <a:lstStyle/>
                     <a:p>
+                      <a:r>
+                        <a:rPr lang="pl-PL" dirty="0"/>
+                        <a:t>Pocket </a:t>
+                      </a:r>
+                      <a:r>
+                        <a:rPr lang="pl-PL" dirty="0" err="1"/>
+                        <a:t>size</a:t>
+                      </a:r>
                       <a:endParaRPr lang="pl-PL" dirty="0"/>
                     </a:p>
                   </a:txBody>
@@ -3586,7 +3606,15 @@
                     <a:bodyPr/>
                     <a:lstStyle/>
                     <a:p>
-                      <a:endParaRPr lang="pl-PL"/>
+                      <a:r>
+                        <a:rPr lang="pl-PL" dirty="0"/>
+                        <a:t>Small </a:t>
+                      </a:r>
+                      <a:r>
+                        <a:rPr lang="pl-PL" dirty="0" err="1"/>
+                        <a:t>wheels</a:t>
+                      </a:r>
+                      <a:endParaRPr lang="pl-PL" dirty="0"/>
                     </a:p>
                   </a:txBody>
                   <a:tcPr/>
@@ -3594,6 +3622,56 @@
                 <a:extLst>
                   <a:ext uri="{0D108BD9-81ED-4DB2-BD59-A6C34878D82A}">
                     <a16:rowId xmlns:a16="http://schemas.microsoft.com/office/drawing/2014/main" val="395133608"/>
+                  </a:ext>
+                </a:extLst>
+              </a:tr>
+              <a:tr h="370840">
+                <a:tc>
+                  <a:txBody>
+                    <a:bodyPr/>
+                    <a:lstStyle/>
+                    <a:p>
+                      <a:r>
+                        <a:rPr lang="pl-PL" dirty="0" err="1"/>
+                        <a:t>Easy</a:t>
+                      </a:r>
+                      <a:r>
+                        <a:rPr lang="pl-PL" dirty="0"/>
+                        <a:t> </a:t>
+                      </a:r>
+                      <a:r>
+                        <a:rPr lang="pl-PL" dirty="0" err="1"/>
+                        <a:t>battery</a:t>
+                      </a:r>
+                      <a:r>
+                        <a:rPr lang="pl-PL" dirty="0"/>
+                        <a:t> exchange</a:t>
+                      </a:r>
+                    </a:p>
+                  </a:txBody>
+                  <a:tcPr/>
+                </a:tc>
+                <a:tc>
+                  <a:txBody>
+                    <a:bodyPr/>
+                    <a:lstStyle/>
+                    <a:p>
+                      <a:r>
+                        <a:rPr lang="pl-PL" dirty="0"/>
+                        <a:t>Hard to </a:t>
+                      </a:r>
+                      <a:r>
+                        <a:rPr lang="pl-PL" dirty="0" err="1"/>
+                        <a:t>learn</a:t>
+                      </a:r>
+                      <a:endParaRPr lang="pl-PL" dirty="0"/>
+                    </a:p>
+                  </a:txBody>
+                  <a:tcPr/>
+                </a:tc>
+                <a:extLst>
+                  <a:ext uri="{0D108BD9-81ED-4DB2-BD59-A6C34878D82A}">
+                    <a16:rowId xmlns:a16="http://schemas.microsoft.com/office/drawing/2014/main" val="2822802302"/>
                   </a:ext>
                 </a:extLst>
               </a:tr>
@@ -3613,34 +3691,11 @@
                     <a:bodyPr/>
                     <a:lstStyle/>
                     <a:p>
-                      <a:endParaRPr lang="pl-PL"/>
-                    </a:p>
-                  </a:txBody>
-                  <a:tcPr/>
-                </a:tc>
-                <a:extLst>
-                  <a:ext uri="{0D108BD9-81ED-4DB2-BD59-A6C34878D82A}">
-                    <a16:rowId xmlns:a16="http://schemas.microsoft.com/office/drawing/2014/main" val="2822802302"/>
-                  </a:ext>
-                </a:extLst>
-              </a:tr>
-              <a:tr h="370840">
-                <a:tc>
-                  <a:txBody>
-                    <a:bodyPr/>
-                    <a:lstStyle/>
-                    <a:p>
-                      <a:endParaRPr lang="pl-PL"/>
-                    </a:p>
-                  </a:txBody>
-                  <a:tcPr/>
-                </a:tc>
-                <a:tc>
-                  <a:txBody>
-                    <a:bodyPr/>
-                    <a:lstStyle/>
-                    <a:p>
-                      <a:endParaRPr lang="pl-PL"/>
+                      <a:r>
+                        <a:rPr lang="pl-PL" dirty="0" err="1"/>
+                        <a:t>Manoeuvrability</a:t>
+                      </a:r>
+                      <a:endParaRPr lang="pl-PL" dirty="0"/>
                     </a:p>
                   </a:txBody>
                   <a:tcPr/>
@@ -3651,114 +3706,6 @@
                   </a:ext>
                 </a:extLst>
               </a:tr>
-              <a:tr h="370840">
-                <a:tc>
-                  <a:txBody>
-                    <a:bodyPr/>
-                    <a:lstStyle/>
-                    <a:p>
-                      <a:endParaRPr lang="pl-PL"/>
-                    </a:p>
-                  </a:txBody>
-                  <a:tcPr/>
-                </a:tc>
-                <a:tc>
-                  <a:txBody>
-                    <a:bodyPr/>
-                    <a:lstStyle/>
-                    <a:p>
-                      <a:endParaRPr lang="pl-PL"/>
-                    </a:p>
-                  </a:txBody>
-                  <a:tcPr/>
-                </a:tc>
-                <a:extLst>
-                  <a:ext uri="{0D108BD9-81ED-4DB2-BD59-A6C34878D82A}">
-                    <a16:rowId xmlns:a16="http://schemas.microsoft.com/office/drawing/2014/main" val="3897878173"/>
-                  </a:ext>
-                </a:extLst>
-              </a:tr>
-              <a:tr h="370840">
-                <a:tc>
-                  <a:txBody>
-                    <a:bodyPr/>
-                    <a:lstStyle/>
-                    <a:p>
-                      <a:endParaRPr lang="pl-PL"/>
-                    </a:p>
-                  </a:txBody>
-                  <a:tcPr/>
-                </a:tc>
-                <a:tc>
-                  <a:txBody>
-                    <a:bodyPr/>
-                    <a:lstStyle/>
-                    <a:p>
-                      <a:endParaRPr lang="pl-PL"/>
-                    </a:p>
-                  </a:txBody>
-                  <a:tcPr/>
-                </a:tc>
-                <a:extLst>
-                  <a:ext uri="{0D108BD9-81ED-4DB2-BD59-A6C34878D82A}">
-                    <a16:rowId xmlns:a16="http://schemas.microsoft.com/office/drawing/2014/main" val="159243160"/>
-                  </a:ext>
-                </a:extLst>
-              </a:tr>
-              <a:tr h="370840">
-                <a:tc>
-                  <a:txBody>
-                    <a:bodyPr/>
-                    <a:lstStyle/>
-                    <a:p>
-                      <a:endParaRPr lang="pl-PL"/>
-                    </a:p>
-                  </a:txBody>
-                  <a:tcPr/>
-                </a:tc>
-                <a:tc>
-                  <a:txBody>
-                    <a:bodyPr/>
-                    <a:lstStyle/>
-                    <a:p>
-                      <a:endParaRPr lang="pl-PL"/>
-                    </a:p>
-                  </a:txBody>
-                  <a:tcPr/>
-                </a:tc>
-                <a:extLst>
-                  <a:ext uri="{0D108BD9-81ED-4DB2-BD59-A6C34878D82A}">
-                    <a16:rowId xmlns:a16="http://schemas.microsoft.com/office/drawing/2014/main" val="2312612681"/>
-                  </a:ext>
-                </a:extLst>
-              </a:tr>
-              <a:tr h="370840">
-                <a:tc>
-                  <a:txBody>
-                    <a:bodyPr/>
-                    <a:lstStyle/>
-                    <a:p>
-                      <a:endParaRPr lang="pl-PL"/>
-                    </a:p>
-                  </a:txBody>
-                  <a:tcPr/>
-                </a:tc>
-                <a:tc>
-                  <a:txBody>
-                    <a:bodyPr/>
-                    <a:lstStyle/>
-                    <a:p>
-                      <a:endParaRPr lang="pl-PL" dirty="0"/>
-                    </a:p>
-                  </a:txBody>
-                  <a:tcPr/>
-                </a:tc>
-                <a:extLst>
-                  <a:ext uri="{0D108BD9-81ED-4DB2-BD59-A6C34878D82A}">
-                    <a16:rowId xmlns:a16="http://schemas.microsoft.com/office/drawing/2014/main" val="814698163"/>
-                  </a:ext>
-                </a:extLst>
-              </a:tr>
             </a:tbl>
           </a:graphicData>
         </a:graphic>
@@ -3766,7 +3713,7 @@
     </p:spTree>
     <p:extLst>
       <p:ext uri="{BB962C8B-B14F-4D97-AF65-F5344CB8AC3E}">
-        <p14:creationId xmlns:p14="http://schemas.microsoft.com/office/powerpoint/2010/main" val="702470317"/>
+        <p14:creationId xmlns:p14="http://schemas.microsoft.com/office/powerpoint/2010/main" val="104682202"/>
       </p:ext>
     </p:extLst>
   </p:cSld>
@@ -3816,49 +3763,51 @@
           <a:p>
             <a:r>
               <a:rPr lang="pl-PL" dirty="0" err="1"/>
-              <a:t>Electrics</a:t>
-            </a:r>
-            <a:r>
-              <a:rPr lang="pl-PL" dirty="0"/>
-              <a:t> </a:t>
-            </a:r>
-            <a:r>
-              <a:rPr lang="pl-PL" dirty="0" err="1"/>
-              <a:t>skateboards</a:t>
+              <a:t>Segways</a:t>
             </a:r>
             <a:endParaRPr lang="pl-PL" dirty="0"/>
           </a:p>
         </p:txBody>
       </p:sp>
-      <p:sp>
-        <p:nvSpPr>
-          <p:cNvPr id="4" name="Symbol zastępczy zawartości 3">
-            <a:extLst>
-              <a:ext uri="{FF2B5EF4-FFF2-40B4-BE49-F238E27FC236}">
-                <a16:creationId xmlns:a16="http://schemas.microsoft.com/office/drawing/2014/main" id="{B582F0C6-D81C-4D18-B247-9AAF850CED98}"/>
-              </a:ext>
-            </a:extLst>
-          </p:cNvPr>
-          <p:cNvSpPr>
-            <a:spLocks noGrp="1"/>
-          </p:cNvSpPr>
+      <p:pic>
+        <p:nvPicPr>
+          <p:cNvPr id="5" name="Symbol zastępczy zawartości 4">
+            <a:extLst>
+              <a:ext uri="{FF2B5EF4-FFF2-40B4-BE49-F238E27FC236}">
+                <a16:creationId xmlns:a16="http://schemas.microsoft.com/office/drawing/2014/main" id="{3F536C48-E921-4374-9762-7D604C873839}"/>
+              </a:ext>
+            </a:extLst>
+          </p:cNvPr>
+          <p:cNvPicPr>
+            <a:picLocks noGrp="1" noChangeAspect="1"/>
+          </p:cNvPicPr>
           <p:nvPr>
             <p:ph idx="1"/>
           </p:nvPr>
-        </p:nvSpPr>
-        <p:spPr/>
-        <p:txBody>
-          <a:bodyPr/>
-          <a:lstStyle/>
-          <a:p>
-            <a:endParaRPr lang="pl-PL"/>
-          </a:p>
-        </p:txBody>
-      </p:sp>
+        </p:nvPicPr>
+        <p:blipFill>
+          <a:blip r:embed="rId2">
+            <a:extLst>
+              <a:ext uri="{28A0092B-C50C-407E-A947-70E740481C1C}">
+                <a14:useLocalDpi xmlns:a14="http://schemas.microsoft.com/office/drawing/2010/main" val="0"/>
+              </a:ext>
+            </a:extLst>
+          </a:blip>
+          <a:stretch>
+            <a:fillRect/>
+          </a:stretch>
+        </p:blipFill>
+        <p:spPr>
+          <a:xfrm>
+            <a:off x="4355465" y="1825625"/>
+            <a:ext cx="3481070" cy="4351338"/>
+          </a:xfrm>
+        </p:spPr>
+      </p:pic>
     </p:spTree>
     <p:extLst>
       <p:ext uri="{BB962C8B-B14F-4D97-AF65-F5344CB8AC3E}">
-        <p14:creationId xmlns:p14="http://schemas.microsoft.com/office/powerpoint/2010/main" val="3636472639"/>
+        <p14:creationId xmlns:p14="http://schemas.microsoft.com/office/powerpoint/2010/main" val="2000696202"/>
       </p:ext>
     </p:extLst>
   </p:cSld>
@@ -3936,11 +3885,16 @@
           </p:cNvGraphicFramePr>
           <p:nvPr>
             <p:ph idx="1"/>
+            <p:extLst>
+              <p:ext uri="{D42A27DB-BD31-4B8C-83A1-F6EECF244321}">
+                <p14:modId xmlns:p14="http://schemas.microsoft.com/office/powerpoint/2010/main" val="731859093"/>
+              </p:ext>
+            </p:extLst>
           </p:nvPr>
         </p:nvGraphicFramePr>
         <p:xfrm>
           <a:off x="838200" y="1825625"/>
-          <a:ext cx="10515600" cy="2966720"/>
+          <a:ext cx="10515600" cy="1752600"/>
         </p:xfrm>
         <a:graphic>
           <a:graphicData uri="http://schemas.openxmlformats.org/drawingml/2006/table">
@@ -4004,6 +3958,18 @@
                     <a:bodyPr/>
                     <a:lstStyle/>
                     <a:p>
+                      <a:r>
+                        <a:rPr lang="pl-PL" dirty="0" err="1"/>
+                        <a:t>Easy</a:t>
+                      </a:r>
+                      <a:r>
+                        <a:rPr lang="pl-PL" dirty="0"/>
+                        <a:t> to </a:t>
+                      </a:r>
+                      <a:r>
+                        <a:rPr lang="pl-PL" dirty="0" err="1"/>
+                        <a:t>learn</a:t>
+                      </a:r>
                       <a:endParaRPr lang="pl-PL" dirty="0"/>
                     </a:p>
                   </a:txBody>
@@ -4014,7 +3980,50 @@
                     <a:bodyPr/>
                     <a:lstStyle/>
                     <a:p>
-                      <a:endParaRPr lang="pl-PL"/>
+                      <a:r>
+                        <a:rPr lang="pl-PL" dirty="0"/>
+                        <a:t>No </a:t>
+                      </a:r>
+                      <a:r>
+                        <a:rPr lang="pl-PL" dirty="0" err="1"/>
+                        <a:t>way</a:t>
+                      </a:r>
+                      <a:r>
+                        <a:rPr lang="pl-PL" dirty="0"/>
+                        <a:t> to </a:t>
+                      </a:r>
+                      <a:r>
+                        <a:rPr lang="pl-PL" dirty="0" err="1"/>
+                        <a:t>move</a:t>
+                      </a:r>
+                      <a:r>
+                        <a:rPr lang="pl-PL" dirty="0"/>
+                        <a:t> </a:t>
+                      </a:r>
+                      <a:r>
+                        <a:rPr lang="pl-PL" dirty="0" err="1"/>
+                        <a:t>when</a:t>
+                      </a:r>
+                      <a:r>
+                        <a:rPr lang="pl-PL" dirty="0"/>
+                        <a:t> </a:t>
+                      </a:r>
+                      <a:r>
+                        <a:rPr lang="pl-PL" dirty="0" err="1"/>
+                        <a:t>batteries</a:t>
+                      </a:r>
+                      <a:r>
+                        <a:rPr lang="pl-PL" dirty="0"/>
+                        <a:t> </a:t>
+                      </a:r>
+                      <a:r>
+                        <a:rPr lang="pl-PL" dirty="0" err="1"/>
+                        <a:t>drain</a:t>
+                      </a:r>
+                      <a:r>
+                        <a:rPr lang="pl-PL" dirty="0"/>
+                        <a:t> out</a:t>
+                      </a:r>
                     </a:p>
                   </a:txBody>
                   <a:tcPr/>
@@ -4031,7 +4040,10 @@
                     <a:bodyPr/>
                     <a:lstStyle/>
                     <a:p>
-                      <a:endParaRPr lang="pl-PL" dirty="0"/>
+                      <a:r>
+                        <a:rPr lang="pl-PL" dirty="0"/>
+                        <a:t>Comprehensive (używane przez policję, przewodników itp.) </a:t>
+                      </a:r>
                     </a:p>
                   </a:txBody>
                   <a:tcPr/>
@@ -4041,7 +4053,14 @@
                     <a:bodyPr/>
                     <a:lstStyle/>
                     <a:p>
-                      <a:endParaRPr lang="pl-PL"/>
+                      <a:r>
+                        <a:rPr lang="pl-PL" dirty="0" err="1"/>
+                        <a:t>Expensive</a:t>
+                      </a:r>
+                      <a:r>
+                        <a:rPr lang="pl-PL" dirty="0"/>
+                        <a:t> (the most of SEV)</a:t>
+                      </a:r>
                     </a:p>
                   </a:txBody>
                   <a:tcPr/>
@@ -4058,7 +4077,11 @@
                     <a:bodyPr/>
                     <a:lstStyle/>
                     <a:p>
-                      <a:endParaRPr lang="pl-PL"/>
+                      <a:r>
+                        <a:rPr lang="pl-PL" dirty="0" err="1"/>
+                        <a:t>manoeuvrable</a:t>
+                      </a:r>
+                      <a:endParaRPr lang="pl-PL" dirty="0"/>
                     </a:p>
                   </a:txBody>
                   <a:tcPr/>
@@ -4068,7 +4091,15 @@
                     <a:bodyPr/>
                     <a:lstStyle/>
                     <a:p>
-                      <a:endParaRPr lang="pl-PL"/>
+                      <a:r>
+                        <a:rPr lang="pl-PL" dirty="0"/>
+                        <a:t>Big </a:t>
+                      </a:r>
+                      <a:r>
+                        <a:rPr lang="pl-PL" dirty="0" err="1"/>
+                        <a:t>size</a:t>
+                      </a:r>
+                      <a:endParaRPr lang="pl-PL" dirty="0"/>
                     </a:p>
                   </a:txBody>
                   <a:tcPr/>
@@ -4079,114 +4110,6 @@
                   </a:ext>
                 </a:extLst>
               </a:tr>
-              <a:tr h="370840">
-                <a:tc>
-                  <a:txBody>
-                    <a:bodyPr/>
-                    <a:lstStyle/>
-                    <a:p>
-                      <a:endParaRPr lang="pl-PL"/>
-                    </a:p>
-                  </a:txBody>
-                  <a:tcPr/>
-                </a:tc>
-                <a:tc>
-                  <a:txBody>
-                    <a:bodyPr/>
-                    <a:lstStyle/>
-                    <a:p>
-                      <a:endParaRPr lang="pl-PL"/>
-                    </a:p>
-                  </a:txBody>
-                  <a:tcPr/>
-                </a:tc>
-                <a:extLst>
-                  <a:ext uri="{0D108BD9-81ED-4DB2-BD59-A6C34878D82A}">
-                    <a16:rowId xmlns:a16="http://schemas.microsoft.com/office/drawing/2014/main" val="3897878173"/>
-                  </a:ext>
-                </a:extLst>
-              </a:tr>
-              <a:tr h="370840">
-                <a:tc>
-                  <a:txBody>
-                    <a:bodyPr/>
-                    <a:lstStyle/>
-                    <a:p>
-                      <a:endParaRPr lang="pl-PL"/>
-                    </a:p>
-                  </a:txBody>
-                  <a:tcPr/>
-                </a:tc>
-                <a:tc>
-                  <a:txBody>
-                    <a:bodyPr/>
-                    <a:lstStyle/>
-                    <a:p>
-                      <a:endParaRPr lang="pl-PL"/>
-                    </a:p>
-                  </a:txBody>
-                  <a:tcPr/>
-                </a:tc>
-                <a:extLst>
-                  <a:ext uri="{0D108BD9-81ED-4DB2-BD59-A6C34878D82A}">
-                    <a16:rowId xmlns:a16="http://schemas.microsoft.com/office/drawing/2014/main" val="159243160"/>
-                  </a:ext>
-                </a:extLst>
-              </a:tr>
-              <a:tr h="370840">
-                <a:tc>
-                  <a:txBody>
-                    <a:bodyPr/>
-                    <a:lstStyle/>
-                    <a:p>
-                      <a:endParaRPr lang="pl-PL"/>
-                    </a:p>
-                  </a:txBody>
-                  <a:tcPr/>
-                </a:tc>
-                <a:tc>
-                  <a:txBody>
-                    <a:bodyPr/>
-                    <a:lstStyle/>
-                    <a:p>
-                      <a:endParaRPr lang="pl-PL"/>
-                    </a:p>
-                  </a:txBody>
-                  <a:tcPr/>
-                </a:tc>
-                <a:extLst>
-                  <a:ext uri="{0D108BD9-81ED-4DB2-BD59-A6C34878D82A}">
-                    <a16:rowId xmlns:a16="http://schemas.microsoft.com/office/drawing/2014/main" val="2312612681"/>
-                  </a:ext>
-                </a:extLst>
-              </a:tr>
-              <a:tr h="370840">
-                <a:tc>
-                  <a:txBody>
-                    <a:bodyPr/>
-                    <a:lstStyle/>
-                    <a:p>
-                      <a:endParaRPr lang="pl-PL"/>
-                    </a:p>
-                  </a:txBody>
-                  <a:tcPr/>
-                </a:tc>
-                <a:tc>
-                  <a:txBody>
-                    <a:bodyPr/>
-                    <a:lstStyle/>
-                    <a:p>
-                      <a:endParaRPr lang="pl-PL" dirty="0"/>
-                    </a:p>
-                  </a:txBody>
-                  <a:tcPr/>
-                </a:tc>
-                <a:extLst>
-                  <a:ext uri="{0D108BD9-81ED-4DB2-BD59-A6C34878D82A}">
-                    <a16:rowId xmlns:a16="http://schemas.microsoft.com/office/drawing/2014/main" val="814698163"/>
-                  </a:ext>
-                </a:extLst>
-              </a:tr>
             </a:tbl>
           </a:graphicData>
         </a:graphic>
@@ -4194,7 +4117,7 @@
     </p:spTree>
     <p:extLst>
       <p:ext uri="{BB962C8B-B14F-4D97-AF65-F5344CB8AC3E}">
-        <p14:creationId xmlns:p14="http://schemas.microsoft.com/office/powerpoint/2010/main" val="104682202"/>
+        <p14:creationId xmlns:p14="http://schemas.microsoft.com/office/powerpoint/2010/main" val="3483690545"/>
       </p:ext>
     </p:extLst>
   </p:cSld>
@@ -4226,426 +4149,6 @@
           <p:cNvPr id="2" name="Tytuł 1">
             <a:extLst>
               <a:ext uri="{FF2B5EF4-FFF2-40B4-BE49-F238E27FC236}">
-                <a16:creationId xmlns:a16="http://schemas.microsoft.com/office/drawing/2014/main" id="{F7D7A9AC-E252-4ECE-BB6F-875AAEC6D2C6}"/>
-              </a:ext>
-            </a:extLst>
-          </p:cNvPr>
-          <p:cNvSpPr>
-            <a:spLocks noGrp="1"/>
-          </p:cNvSpPr>
-          <p:nvPr>
-            <p:ph type="title"/>
-          </p:nvPr>
-        </p:nvSpPr>
-        <p:spPr/>
-        <p:txBody>
-          <a:bodyPr/>
-          <a:lstStyle/>
-          <a:p>
-            <a:r>
-              <a:rPr lang="pl-PL" dirty="0" err="1"/>
-              <a:t>Segways</a:t>
-            </a:r>
-            <a:endParaRPr lang="pl-PL" dirty="0"/>
-          </a:p>
-        </p:txBody>
-      </p:sp>
-      <p:sp>
-        <p:nvSpPr>
-          <p:cNvPr id="4" name="Symbol zastępczy zawartości 3">
-            <a:extLst>
-              <a:ext uri="{FF2B5EF4-FFF2-40B4-BE49-F238E27FC236}">
-                <a16:creationId xmlns:a16="http://schemas.microsoft.com/office/drawing/2014/main" id="{9309BE5F-53F5-4E36-8C88-3D5AD104F862}"/>
-              </a:ext>
-            </a:extLst>
-          </p:cNvPr>
-          <p:cNvSpPr>
-            <a:spLocks noGrp="1"/>
-          </p:cNvSpPr>
-          <p:nvPr>
-            <p:ph idx="1"/>
-          </p:nvPr>
-        </p:nvSpPr>
-        <p:spPr/>
-        <p:txBody>
-          <a:bodyPr/>
-          <a:lstStyle/>
-          <a:p>
-            <a:endParaRPr lang="pl-PL"/>
-          </a:p>
-        </p:txBody>
-      </p:sp>
-    </p:spTree>
-    <p:extLst>
-      <p:ext uri="{BB962C8B-B14F-4D97-AF65-F5344CB8AC3E}">
-        <p14:creationId xmlns:p14="http://schemas.microsoft.com/office/powerpoint/2010/main" val="2000696202"/>
-      </p:ext>
-    </p:extLst>
-  </p:cSld>
-  <p:clrMapOvr>
-    <a:masterClrMapping/>
-  </p:clrMapOvr>
-</p:sld>
-</file>
-
-<file path=ppt/slides/slide14.xml><?xml version="1.0" encoding="utf-8"?>
-<p:sld xmlns:a="http://schemas.openxmlformats.org/drawingml/2006/main" xmlns:r="http://schemas.openxmlformats.org/officeDocument/2006/relationships" xmlns:p="http://schemas.openxmlformats.org/presentationml/2006/main">
-  <p:cSld>
-    <p:spTree>
-      <p:nvGrpSpPr>
-        <p:cNvPr id="1" name=""/>
-        <p:cNvGrpSpPr/>
-        <p:nvPr/>
-      </p:nvGrpSpPr>
-      <p:grpSpPr>
-        <a:xfrm>
-          <a:off x="0" y="0"/>
-          <a:ext cx="0" cy="0"/>
-          <a:chOff x="0" y="0"/>
-          <a:chExt cx="0" cy="0"/>
-        </a:xfrm>
-      </p:grpSpPr>
-      <p:sp>
-        <p:nvSpPr>
-          <p:cNvPr id="2" name="Tytuł 1">
-            <a:extLst>
-              <a:ext uri="{FF2B5EF4-FFF2-40B4-BE49-F238E27FC236}">
-                <a16:creationId xmlns:a16="http://schemas.microsoft.com/office/drawing/2014/main" id="{77101F6D-D000-42CC-A3F5-38B1EE5FE9E9}"/>
-              </a:ext>
-            </a:extLst>
-          </p:cNvPr>
-          <p:cNvSpPr>
-            <a:spLocks noGrp="1"/>
-          </p:cNvSpPr>
-          <p:nvPr>
-            <p:ph type="title"/>
-          </p:nvPr>
-        </p:nvSpPr>
-        <p:spPr/>
-        <p:txBody>
-          <a:bodyPr/>
-          <a:lstStyle/>
-          <a:p>
-            <a:r>
-              <a:rPr lang="pl-PL" dirty="0" err="1"/>
-              <a:t>Advantages</a:t>
-            </a:r>
-            <a:r>
-              <a:rPr lang="pl-PL" dirty="0"/>
-              <a:t> and </a:t>
-            </a:r>
-            <a:r>
-              <a:rPr lang="pl-PL" dirty="0" err="1"/>
-              <a:t>disadvantages</a:t>
-            </a:r>
-            <a:endParaRPr lang="pl-PL" dirty="0"/>
-          </a:p>
-        </p:txBody>
-      </p:sp>
-      <p:graphicFrame>
-        <p:nvGraphicFramePr>
-          <p:cNvPr id="4" name="Symbol zastępczy zawartości 3">
-            <a:extLst>
-              <a:ext uri="{FF2B5EF4-FFF2-40B4-BE49-F238E27FC236}">
-                <a16:creationId xmlns:a16="http://schemas.microsoft.com/office/drawing/2014/main" id="{EFE70537-266A-4262-9A59-C52F94319905}"/>
-              </a:ext>
-            </a:extLst>
-          </p:cNvPr>
-          <p:cNvGraphicFramePr>
-            <a:graphicFrameLocks noGrp="1"/>
-          </p:cNvGraphicFramePr>
-          <p:nvPr>
-            <p:ph idx="1"/>
-          </p:nvPr>
-        </p:nvGraphicFramePr>
-        <p:xfrm>
-          <a:off x="838200" y="1825625"/>
-          <a:ext cx="10515600" cy="2966720"/>
-        </p:xfrm>
-        <a:graphic>
-          <a:graphicData uri="http://schemas.openxmlformats.org/drawingml/2006/table">
-            <a:tbl>
-              <a:tblPr firstRow="1" bandRow="1">
-                <a:tableStyleId>{5C22544A-7EE6-4342-B048-85BDC9FD1C3A}</a:tableStyleId>
-              </a:tblPr>
-              <a:tblGrid>
-                <a:gridCol w="5257800">
-                  <a:extLst>
-                    <a:ext uri="{9D8B030D-6E8A-4147-A177-3AD203B41FA5}">
-                      <a16:colId xmlns:a16="http://schemas.microsoft.com/office/drawing/2014/main" val="3816873951"/>
-                    </a:ext>
-                  </a:extLst>
-                </a:gridCol>
-                <a:gridCol w="5257800">
-                  <a:extLst>
-                    <a:ext uri="{9D8B030D-6E8A-4147-A177-3AD203B41FA5}">
-                      <a16:colId xmlns:a16="http://schemas.microsoft.com/office/drawing/2014/main" val="2372651374"/>
-                    </a:ext>
-                  </a:extLst>
-                </a:gridCol>
-              </a:tblGrid>
-              <a:tr h="370840">
-                <a:tc>
-                  <a:txBody>
-                    <a:bodyPr/>
-                    <a:lstStyle/>
-                    <a:p>
-                      <a:r>
-                        <a:rPr lang="pl-PL" dirty="0"/>
-                        <a:t>+</a:t>
-                      </a:r>
-                    </a:p>
-                  </a:txBody>
-                  <a:tcPr/>
-                </a:tc>
-                <a:tc>
-                  <a:txBody>
-                    <a:bodyPr/>
-                    <a:lstStyle/>
-                    <a:p>
-                      <a:r>
-                        <a:rPr lang="pl-PL"/>
-                        <a:t>-</a:t>
-                      </a:r>
-                      <a:endParaRPr lang="pl-PL" dirty="0"/>
-                    </a:p>
-                  </a:txBody>
-                  <a:tcPr/>
-                </a:tc>
-                <a:extLst>
-                  <a:ext uri="{0D108BD9-81ED-4DB2-BD59-A6C34878D82A}">
-                    <a16:rowId xmlns:a16="http://schemas.microsoft.com/office/drawing/2014/main" val="2948516707"/>
-                  </a:ext>
-                </a:extLst>
-              </a:tr>
-              <a:tr h="370840">
-                <a:tc>
-                  <a:txBody>
-                    <a:bodyPr/>
-                    <a:lstStyle/>
-                    <a:p>
-                      <a:endParaRPr lang="pl-PL" dirty="0"/>
-                    </a:p>
-                  </a:txBody>
-                  <a:tcPr/>
-                </a:tc>
-                <a:tc>
-                  <a:txBody>
-                    <a:bodyPr/>
-                    <a:lstStyle/>
-                    <a:p>
-                      <a:endParaRPr lang="pl-PL"/>
-                    </a:p>
-                  </a:txBody>
-                  <a:tcPr/>
-                </a:tc>
-                <a:extLst>
-                  <a:ext uri="{0D108BD9-81ED-4DB2-BD59-A6C34878D82A}">
-                    <a16:rowId xmlns:a16="http://schemas.microsoft.com/office/drawing/2014/main" val="395133608"/>
-                  </a:ext>
-                </a:extLst>
-              </a:tr>
-              <a:tr h="370840">
-                <a:tc>
-                  <a:txBody>
-                    <a:bodyPr/>
-                    <a:lstStyle/>
-                    <a:p>
-                      <a:endParaRPr lang="pl-PL" dirty="0"/>
-                    </a:p>
-                  </a:txBody>
-                  <a:tcPr/>
-                </a:tc>
-                <a:tc>
-                  <a:txBody>
-                    <a:bodyPr/>
-                    <a:lstStyle/>
-                    <a:p>
-                      <a:endParaRPr lang="pl-PL"/>
-                    </a:p>
-                  </a:txBody>
-                  <a:tcPr/>
-                </a:tc>
-                <a:extLst>
-                  <a:ext uri="{0D108BD9-81ED-4DB2-BD59-A6C34878D82A}">
-                    <a16:rowId xmlns:a16="http://schemas.microsoft.com/office/drawing/2014/main" val="2822802302"/>
-                  </a:ext>
-                </a:extLst>
-              </a:tr>
-              <a:tr h="370840">
-                <a:tc>
-                  <a:txBody>
-                    <a:bodyPr/>
-                    <a:lstStyle/>
-                    <a:p>
-                      <a:endParaRPr lang="pl-PL"/>
-                    </a:p>
-                  </a:txBody>
-                  <a:tcPr/>
-                </a:tc>
-                <a:tc>
-                  <a:txBody>
-                    <a:bodyPr/>
-                    <a:lstStyle/>
-                    <a:p>
-                      <a:endParaRPr lang="pl-PL"/>
-                    </a:p>
-                  </a:txBody>
-                  <a:tcPr/>
-                </a:tc>
-                <a:extLst>
-                  <a:ext uri="{0D108BD9-81ED-4DB2-BD59-A6C34878D82A}">
-                    <a16:rowId xmlns:a16="http://schemas.microsoft.com/office/drawing/2014/main" val="981189665"/>
-                  </a:ext>
-                </a:extLst>
-              </a:tr>
-              <a:tr h="370840">
-                <a:tc>
-                  <a:txBody>
-                    <a:bodyPr/>
-                    <a:lstStyle/>
-                    <a:p>
-                      <a:endParaRPr lang="pl-PL"/>
-                    </a:p>
-                  </a:txBody>
-                  <a:tcPr/>
-                </a:tc>
-                <a:tc>
-                  <a:txBody>
-                    <a:bodyPr/>
-                    <a:lstStyle/>
-                    <a:p>
-                      <a:endParaRPr lang="pl-PL"/>
-                    </a:p>
-                  </a:txBody>
-                  <a:tcPr/>
-                </a:tc>
-                <a:extLst>
-                  <a:ext uri="{0D108BD9-81ED-4DB2-BD59-A6C34878D82A}">
-                    <a16:rowId xmlns:a16="http://schemas.microsoft.com/office/drawing/2014/main" val="3897878173"/>
-                  </a:ext>
-                </a:extLst>
-              </a:tr>
-              <a:tr h="370840">
-                <a:tc>
-                  <a:txBody>
-                    <a:bodyPr/>
-                    <a:lstStyle/>
-                    <a:p>
-                      <a:endParaRPr lang="pl-PL"/>
-                    </a:p>
-                  </a:txBody>
-                  <a:tcPr/>
-                </a:tc>
-                <a:tc>
-                  <a:txBody>
-                    <a:bodyPr/>
-                    <a:lstStyle/>
-                    <a:p>
-                      <a:endParaRPr lang="pl-PL"/>
-                    </a:p>
-                  </a:txBody>
-                  <a:tcPr/>
-                </a:tc>
-                <a:extLst>
-                  <a:ext uri="{0D108BD9-81ED-4DB2-BD59-A6C34878D82A}">
-                    <a16:rowId xmlns:a16="http://schemas.microsoft.com/office/drawing/2014/main" val="159243160"/>
-                  </a:ext>
-                </a:extLst>
-              </a:tr>
-              <a:tr h="370840">
-                <a:tc>
-                  <a:txBody>
-                    <a:bodyPr/>
-                    <a:lstStyle/>
-                    <a:p>
-                      <a:endParaRPr lang="pl-PL"/>
-                    </a:p>
-                  </a:txBody>
-                  <a:tcPr/>
-                </a:tc>
-                <a:tc>
-                  <a:txBody>
-                    <a:bodyPr/>
-                    <a:lstStyle/>
-                    <a:p>
-                      <a:endParaRPr lang="pl-PL"/>
-                    </a:p>
-                  </a:txBody>
-                  <a:tcPr/>
-                </a:tc>
-                <a:extLst>
-                  <a:ext uri="{0D108BD9-81ED-4DB2-BD59-A6C34878D82A}">
-                    <a16:rowId xmlns:a16="http://schemas.microsoft.com/office/drawing/2014/main" val="2312612681"/>
-                  </a:ext>
-                </a:extLst>
-              </a:tr>
-              <a:tr h="370840">
-                <a:tc>
-                  <a:txBody>
-                    <a:bodyPr/>
-                    <a:lstStyle/>
-                    <a:p>
-                      <a:endParaRPr lang="pl-PL"/>
-                    </a:p>
-                  </a:txBody>
-                  <a:tcPr/>
-                </a:tc>
-                <a:tc>
-                  <a:txBody>
-                    <a:bodyPr/>
-                    <a:lstStyle/>
-                    <a:p>
-                      <a:endParaRPr lang="pl-PL" dirty="0"/>
-                    </a:p>
-                  </a:txBody>
-                  <a:tcPr/>
-                </a:tc>
-                <a:extLst>
-                  <a:ext uri="{0D108BD9-81ED-4DB2-BD59-A6C34878D82A}">
-                    <a16:rowId xmlns:a16="http://schemas.microsoft.com/office/drawing/2014/main" val="814698163"/>
-                  </a:ext>
-                </a:extLst>
-              </a:tr>
-            </a:tbl>
-          </a:graphicData>
-        </a:graphic>
-      </p:graphicFrame>
-    </p:spTree>
-    <p:extLst>
-      <p:ext uri="{BB962C8B-B14F-4D97-AF65-F5344CB8AC3E}">
-        <p14:creationId xmlns:p14="http://schemas.microsoft.com/office/powerpoint/2010/main" val="3483690545"/>
-      </p:ext>
-    </p:extLst>
-  </p:cSld>
-  <p:clrMapOvr>
-    <a:masterClrMapping/>
-  </p:clrMapOvr>
-</p:sld>
-</file>
-
-<file path=ppt/slides/slide15.xml><?xml version="1.0" encoding="utf-8"?>
-<p:sld xmlns:a="http://schemas.openxmlformats.org/drawingml/2006/main" xmlns:r="http://schemas.openxmlformats.org/officeDocument/2006/relationships" xmlns:p="http://schemas.openxmlformats.org/presentationml/2006/main">
-  <p:cSld>
-    <p:spTree>
-      <p:nvGrpSpPr>
-        <p:cNvPr id="1" name=""/>
-        <p:cNvGrpSpPr/>
-        <p:nvPr/>
-      </p:nvGrpSpPr>
-      <p:grpSpPr>
-        <a:xfrm>
-          <a:off x="0" y="0"/>
-          <a:ext cx="0" cy="0"/>
-          <a:chOff x="0" y="0"/>
-          <a:chExt cx="0" cy="0"/>
-        </a:xfrm>
-      </p:grpSpPr>
-      <p:sp>
-        <p:nvSpPr>
-          <p:cNvPr id="2" name="Tytuł 1">
-            <a:extLst>
-              <a:ext uri="{FF2B5EF4-FFF2-40B4-BE49-F238E27FC236}">
                 <a16:creationId xmlns:a16="http://schemas.microsoft.com/office/drawing/2014/main" id="{FD1871B3-6C1E-4EDF-B335-B4582F7834B1}"/>
               </a:ext>
             </a:extLst>
@@ -4688,7 +4191,9 @@
         </p:nvSpPr>
         <p:spPr/>
         <p:txBody>
-          <a:bodyPr/>
+          <a:bodyPr>
+            <a:normAutofit fontScale="92500"/>
+          </a:bodyPr>
           <a:lstStyle/>
           <a:p>
             <a:r>
@@ -4710,8 +4215,35 @@
           </a:p>
           <a:p>
             <a:r>
+              <a:rPr lang="pl-PL" dirty="0">
+                <a:hlinkClick r:id="rId4"/>
+              </a:rPr>
+              <a:t>https://static.evanscycles.com/production/bikes/electric-bikes/product-image/969-638/trek-powerfly-fs-5-2017-electric-mountain-bike-black-orange-EV282570-8520-1.jpg</a:t>
+            </a:r>
+            <a:endParaRPr lang="pl-PL" dirty="0"/>
+          </a:p>
+          <a:p>
+            <a:r>
+              <a:rPr lang="pl-PL" dirty="0">
+                <a:hlinkClick r:id="rId5"/>
+              </a:rPr>
+              <a:t>https://gizmodo.com/what-s-wrong-with-electric-bicycles-1702986234</a:t>
+            </a:r>
+            <a:endParaRPr lang="pl-PL" dirty="0"/>
+          </a:p>
+          <a:p>
+            <a:r>
+              <a:rPr lang="pl-PL" dirty="0">
+                <a:hlinkClick r:id="rId6"/>
+              </a:rPr>
+              <a:t>https://www.smartwheel.ca/assets/images/133942.jpg</a:t>
+            </a:r>
+            <a:endParaRPr lang="pl-PL" dirty="0"/>
+          </a:p>
+          <a:p>
+            <a:r>
               <a:rPr lang="pl-PL" dirty="0"/>
-              <a:t>https://static.evanscycles.com/production/bikes/electric-bikes/product-image/969-638/trek-powerfly-fs-5-2017-electric-mountain-bike-black-orange-EV282570-8520-1.jpg</a:t>
+              <a:t>https://swagtron.com/wp-content/uploads/swagtron_t5_black_front_bumper_perspective.jpg</a:t>
             </a:r>
           </a:p>
         </p:txBody>
@@ -5008,16 +4540,9 @@
               <a:rPr lang="pl-PL" dirty="0" err="1"/>
               <a:t>scooters</a:t>
             </a:r>
-            <a:endParaRPr lang="pl-PL" dirty="0"/>
-          </a:p>
-          <a:p>
-            <a:r>
-              <a:rPr lang="pl-PL" dirty="0" err="1"/>
-              <a:t>Electric</a:t>
-            </a:r>
             <a:r>
               <a:rPr lang="pl-PL" dirty="0"/>
-              <a:t> </a:t>
+              <a:t> and </a:t>
             </a:r>
             <a:r>
               <a:rPr lang="pl-PL" dirty="0" err="1"/>
@@ -5440,6 +4965,14 @@
               <a:rPr lang="pl-PL" dirty="0" err="1"/>
               <a:t>scooters</a:t>
             </a:r>
+            <a:r>
+              <a:rPr lang="pl-PL" dirty="0"/>
+              <a:t> and </a:t>
+            </a:r>
+            <a:r>
+              <a:rPr lang="pl-PL" dirty="0" err="1"/>
+              <a:t>bikes</a:t>
+            </a:r>
             <a:endParaRPr lang="pl-PL" dirty="0"/>
           </a:p>
         </p:txBody>
@@ -5474,9 +5007,45 @@
         </p:blipFill>
         <p:spPr>
           <a:xfrm>
-            <a:off x="3920331" y="1825625"/>
+            <a:off x="1075531" y="2148898"/>
             <a:ext cx="4351338" cy="4351338"/>
           </a:xfrm>
+        </p:spPr>
+      </p:pic>
+      <p:pic>
+        <p:nvPicPr>
+          <p:cNvPr id="4" name="Symbol zastępczy zawartości 6">
+            <a:extLst>
+              <a:ext uri="{FF2B5EF4-FFF2-40B4-BE49-F238E27FC236}">
+                <a16:creationId xmlns:a16="http://schemas.microsoft.com/office/drawing/2014/main" id="{C8F1770F-150D-4C5A-8B96-09191D700F5F}"/>
+              </a:ext>
+            </a:extLst>
+          </p:cNvPr>
+          <p:cNvPicPr>
+            <a:picLocks noChangeAspect="1"/>
+          </p:cNvPicPr>
+          <p:nvPr/>
+        </p:nvPicPr>
+        <p:blipFill>
+          <a:blip r:embed="rId3">
+            <a:extLst>
+              <a:ext uri="{28A0092B-C50C-407E-A947-70E740481C1C}">
+                <a14:useLocalDpi xmlns:a14="http://schemas.microsoft.com/office/drawing/2010/main" val="0"/>
+              </a:ext>
+            </a:extLst>
+          </a:blip>
+          <a:stretch>
+            <a:fillRect/>
+          </a:stretch>
+        </p:blipFill>
+        <p:spPr>
+          <a:xfrm>
+            <a:off x="5426869" y="2148898"/>
+            <a:ext cx="6608850" cy="4351338"/>
+          </a:xfrm>
+          <a:prstGeom prst="rect">
+            <a:avLst/>
+          </a:prstGeom>
         </p:spPr>
       </p:pic>
     </p:spTree>
@@ -5562,14 +5131,14 @@
             <p:ph idx="1"/>
             <p:extLst>
               <p:ext uri="{D42A27DB-BD31-4B8C-83A1-F6EECF244321}">
-                <p14:modId xmlns:p14="http://schemas.microsoft.com/office/powerpoint/2010/main" val="2058721953"/>
+                <p14:modId xmlns:p14="http://schemas.microsoft.com/office/powerpoint/2010/main" val="3100052059"/>
               </p:ext>
             </p:extLst>
           </p:nvPr>
         </p:nvGraphicFramePr>
         <p:xfrm>
           <a:off x="838200" y="1825625"/>
-          <a:ext cx="10515600" cy="2966720"/>
+          <a:ext cx="10515600" cy="1483360"/>
         </p:xfrm>
         <a:graphic>
           <a:graphicData uri="http://schemas.openxmlformats.org/drawingml/2006/table">
@@ -5613,10 +5182,9 @@
                     <a:lstStyle/>
                     <a:p>
                       <a:r>
-                        <a:rPr lang="pl-PL"/>
+                        <a:rPr lang="pl-PL" dirty="0"/>
                         <a:t>-</a:t>
                       </a:r>
-                      <a:endParaRPr lang="pl-PL" dirty="0"/>
                     </a:p>
                   </a:txBody>
                   <a:tcPr/>
@@ -5633,7 +5201,30 @@
                     <a:bodyPr/>
                     <a:lstStyle/>
                     <a:p>
-                      <a:endParaRPr lang="pl-PL" dirty="0"/>
+                      <a:r>
+                        <a:rPr lang="pl-PL" dirty="0" err="1"/>
+                        <a:t>Faster</a:t>
+                      </a:r>
+                      <a:r>
+                        <a:rPr lang="pl-PL" dirty="0"/>
+                        <a:t> </a:t>
+                      </a:r>
+                      <a:r>
+                        <a:rPr lang="pl-PL" dirty="0" err="1"/>
+                        <a:t>than</a:t>
+                      </a:r>
+                      <a:r>
+                        <a:rPr lang="pl-PL" dirty="0"/>
+                        <a:t> </a:t>
+                      </a:r>
+                      <a:r>
+                        <a:rPr lang="pl-PL" dirty="0" err="1"/>
+                        <a:t>conventional</a:t>
+                      </a:r>
+                      <a:r>
+                        <a:rPr lang="pl-PL" dirty="0"/>
+                        <a:t> version</a:t>
+                      </a:r>
                     </a:p>
                   </a:txBody>
                   <a:tcPr/>
@@ -5643,7 +5234,11 @@
                     <a:bodyPr/>
                     <a:lstStyle/>
                     <a:p>
-                      <a:endParaRPr lang="pl-PL"/>
+                      <a:r>
+                        <a:rPr lang="pl-PL" dirty="0" err="1"/>
+                        <a:t>Fragility</a:t>
+                      </a:r>
+                      <a:endParaRPr lang="pl-PL" dirty="0"/>
                     </a:p>
                   </a:txBody>
                   <a:tcPr/>
@@ -5660,6 +5255,10 @@
                     <a:bodyPr/>
                     <a:lstStyle/>
                     <a:p>
+                      <a:r>
+                        <a:rPr lang="pl-PL" b="1" dirty="0" err="1"/>
+                        <a:t>Stability</a:t>
+                      </a:r>
                       <a:endParaRPr lang="pl-PL" dirty="0"/>
                     </a:p>
                   </a:txBody>
@@ -5670,7 +5269,11 @@
                     <a:bodyPr/>
                     <a:lstStyle/>
                     <a:p>
-                      <a:endParaRPr lang="pl-PL"/>
+                      <a:r>
+                        <a:rPr lang="pl-PL" dirty="0" err="1"/>
+                        <a:t>Price</a:t>
+                      </a:r>
+                      <a:endParaRPr lang="pl-PL" dirty="0"/>
                     </a:p>
                   </a:txBody>
                   <a:tcPr/>
@@ -5687,7 +5290,19 @@
                     <a:bodyPr/>
                     <a:lstStyle/>
                     <a:p>
-                      <a:endParaRPr lang="pl-PL"/>
+                      <a:r>
+                        <a:rPr lang="pl-PL" dirty="0" err="1"/>
+                        <a:t>Hybrid</a:t>
+                      </a:r>
+                      <a:r>
+                        <a:rPr lang="pl-PL" dirty="0"/>
+                        <a:t> </a:t>
+                      </a:r>
+                      <a:r>
+                        <a:rPr lang="pl-PL" dirty="0" err="1"/>
+                        <a:t>drive</a:t>
+                      </a:r>
+                      <a:endParaRPr lang="pl-PL" dirty="0"/>
                     </a:p>
                   </a:txBody>
                   <a:tcPr/>
@@ -5697,7 +5312,11 @@
                     <a:bodyPr/>
                     <a:lstStyle/>
                     <a:p>
-                      <a:endParaRPr lang="pl-PL"/>
+                      <a:r>
+                        <a:rPr lang="pl-PL" dirty="0" err="1"/>
+                        <a:t>Tires</a:t>
+                      </a:r>
+                      <a:endParaRPr lang="pl-PL" dirty="0"/>
                     </a:p>
                   </a:txBody>
                   <a:tcPr/>
@@ -5705,114 +5324,6 @@
                 <a:extLst>
                   <a:ext uri="{0D108BD9-81ED-4DB2-BD59-A6C34878D82A}">
                     <a16:rowId xmlns:a16="http://schemas.microsoft.com/office/drawing/2014/main" val="981189665"/>
-                  </a:ext>
-                </a:extLst>
-              </a:tr>
-              <a:tr h="370840">
-                <a:tc>
-                  <a:txBody>
-                    <a:bodyPr/>
-                    <a:lstStyle/>
-                    <a:p>
-                      <a:endParaRPr lang="pl-PL"/>
-                    </a:p>
-                  </a:txBody>
-                  <a:tcPr/>
-                </a:tc>
-                <a:tc>
-                  <a:txBody>
-                    <a:bodyPr/>
-                    <a:lstStyle/>
-                    <a:p>
-                      <a:endParaRPr lang="pl-PL"/>
-                    </a:p>
-                  </a:txBody>
-                  <a:tcPr/>
-                </a:tc>
-                <a:extLst>
-                  <a:ext uri="{0D108BD9-81ED-4DB2-BD59-A6C34878D82A}">
-                    <a16:rowId xmlns:a16="http://schemas.microsoft.com/office/drawing/2014/main" val="3897878173"/>
-                  </a:ext>
-                </a:extLst>
-              </a:tr>
-              <a:tr h="370840">
-                <a:tc>
-                  <a:txBody>
-                    <a:bodyPr/>
-                    <a:lstStyle/>
-                    <a:p>
-                      <a:endParaRPr lang="pl-PL"/>
-                    </a:p>
-                  </a:txBody>
-                  <a:tcPr/>
-                </a:tc>
-                <a:tc>
-                  <a:txBody>
-                    <a:bodyPr/>
-                    <a:lstStyle/>
-                    <a:p>
-                      <a:endParaRPr lang="pl-PL"/>
-                    </a:p>
-                  </a:txBody>
-                  <a:tcPr/>
-                </a:tc>
-                <a:extLst>
-                  <a:ext uri="{0D108BD9-81ED-4DB2-BD59-A6C34878D82A}">
-                    <a16:rowId xmlns:a16="http://schemas.microsoft.com/office/drawing/2014/main" val="159243160"/>
-                  </a:ext>
-                </a:extLst>
-              </a:tr>
-              <a:tr h="370840">
-                <a:tc>
-                  <a:txBody>
-                    <a:bodyPr/>
-                    <a:lstStyle/>
-                    <a:p>
-                      <a:endParaRPr lang="pl-PL"/>
-                    </a:p>
-                  </a:txBody>
-                  <a:tcPr/>
-                </a:tc>
-                <a:tc>
-                  <a:txBody>
-                    <a:bodyPr/>
-                    <a:lstStyle/>
-                    <a:p>
-                      <a:endParaRPr lang="pl-PL"/>
-                    </a:p>
-                  </a:txBody>
-                  <a:tcPr/>
-                </a:tc>
-                <a:extLst>
-                  <a:ext uri="{0D108BD9-81ED-4DB2-BD59-A6C34878D82A}">
-                    <a16:rowId xmlns:a16="http://schemas.microsoft.com/office/drawing/2014/main" val="2312612681"/>
-                  </a:ext>
-                </a:extLst>
-              </a:tr>
-              <a:tr h="370840">
-                <a:tc>
-                  <a:txBody>
-                    <a:bodyPr/>
-                    <a:lstStyle/>
-                    <a:p>
-                      <a:endParaRPr lang="pl-PL"/>
-                    </a:p>
-                  </a:txBody>
-                  <a:tcPr/>
-                </a:tc>
-                <a:tc>
-                  <a:txBody>
-                    <a:bodyPr/>
-                    <a:lstStyle/>
-                    <a:p>
-                      <a:endParaRPr lang="pl-PL" dirty="0"/>
-                    </a:p>
-                  </a:txBody>
-                  <a:tcPr/>
-                </a:tc>
-                <a:extLst>
-                  <a:ext uri="{0D108BD9-81ED-4DB2-BD59-A6C34878D82A}">
-                    <a16:rowId xmlns:a16="http://schemas.microsoft.com/office/drawing/2014/main" val="814698163"/>
                   </a:ext>
                 </a:extLst>
               </a:tr>
@@ -5873,15 +5384,7 @@
           <a:p>
             <a:r>
               <a:rPr lang="pl-PL" dirty="0" err="1"/>
-              <a:t>Electric</a:t>
-            </a:r>
-            <a:r>
-              <a:rPr lang="pl-PL" dirty="0"/>
-              <a:t> </a:t>
-            </a:r>
-            <a:r>
-              <a:rPr lang="pl-PL" dirty="0" err="1"/>
-              <a:t>bikes</a:t>
+              <a:t>Hoverboards</a:t>
             </a:r>
             <a:endParaRPr lang="pl-PL" dirty="0"/>
           </a:p>
@@ -5889,10 +5392,10 @@
       </p:sp>
       <p:pic>
         <p:nvPicPr>
-          <p:cNvPr id="7" name="Symbol zastępczy zawartości 6">
-            <a:extLst>
-              <a:ext uri="{FF2B5EF4-FFF2-40B4-BE49-F238E27FC236}">
-                <a16:creationId xmlns:a16="http://schemas.microsoft.com/office/drawing/2014/main" id="{A4CC0DCD-70F7-4672-A880-83B1FDC287B1}"/>
+          <p:cNvPr id="5" name="Symbol zastępczy zawartości 4">
+            <a:extLst>
+              <a:ext uri="{FF2B5EF4-FFF2-40B4-BE49-F238E27FC236}">
+                <a16:creationId xmlns:a16="http://schemas.microsoft.com/office/drawing/2014/main" id="{B1E18391-AC15-4988-8DD8-0B32E08DB137}"/>
               </a:ext>
             </a:extLst>
           </p:cNvPr>
@@ -5917,15 +5420,15 @@
         </p:blipFill>
         <p:spPr>
           <a:xfrm>
-            <a:off x="2791575" y="1825625"/>
-            <a:ext cx="6608850" cy="4351338"/>
+            <a:off x="3920331" y="1825625"/>
+            <a:ext cx="4351338" cy="4351338"/>
           </a:xfrm>
         </p:spPr>
       </p:pic>
     </p:spTree>
     <p:extLst>
       <p:ext uri="{BB962C8B-B14F-4D97-AF65-F5344CB8AC3E}">
-        <p14:creationId xmlns:p14="http://schemas.microsoft.com/office/powerpoint/2010/main" val="3720215096"/>
+        <p14:creationId xmlns:p14="http://schemas.microsoft.com/office/powerpoint/2010/main" val="2690488154"/>
       </p:ext>
     </p:extLst>
   </p:cSld>
@@ -6005,14 +5508,14 @@
             <p:ph idx="1"/>
             <p:extLst>
               <p:ext uri="{D42A27DB-BD31-4B8C-83A1-F6EECF244321}">
-                <p14:modId xmlns:p14="http://schemas.microsoft.com/office/powerpoint/2010/main" val="2605361388"/>
+                <p14:modId xmlns:p14="http://schemas.microsoft.com/office/powerpoint/2010/main" val="519786423"/>
               </p:ext>
             </p:extLst>
           </p:nvPr>
         </p:nvGraphicFramePr>
         <p:xfrm>
           <a:off x="838200" y="1825625"/>
-          <a:ext cx="10515600" cy="2966720"/>
+          <a:ext cx="10515600" cy="1483360"/>
         </p:xfrm>
         <a:graphic>
           <a:graphicData uri="http://schemas.openxmlformats.org/drawingml/2006/table">
@@ -6077,8 +5580,24 @@
                     <a:lstStyle/>
                     <a:p>
                       <a:r>
-                        <a:rPr lang="pl-PL" b="1" dirty="0" err="1"/>
-                        <a:t>Stability</a:t>
+                        <a:rPr lang="pl-PL" dirty="0" err="1"/>
+                        <a:t>Free-hand</a:t>
+                      </a:r>
+                      <a:r>
+                        <a:rPr lang="pl-PL" dirty="0"/>
+                        <a:t> </a:t>
+                      </a:r>
+                      <a:r>
+                        <a:rPr lang="pl-PL" dirty="0" err="1"/>
+                        <a:t>way</a:t>
+                      </a:r>
+                      <a:r>
+                        <a:rPr lang="pl-PL" dirty="0"/>
+                        <a:t> to </a:t>
+                      </a:r>
+                      <a:r>
+                        <a:rPr lang="pl-PL" dirty="0" err="1"/>
+                        <a:t>steer</a:t>
                       </a:r>
                       <a:endParaRPr lang="pl-PL" dirty="0"/>
                     </a:p>
@@ -6090,7 +5609,19 @@
                     <a:bodyPr/>
                     <a:lstStyle/>
                     <a:p>
-                      <a:endParaRPr lang="pl-PL"/>
+                      <a:r>
+                        <a:rPr lang="pl-PL" dirty="0" err="1"/>
+                        <a:t>Low</a:t>
+                      </a:r>
+                      <a:r>
+                        <a:rPr lang="pl-PL" dirty="0"/>
+                        <a:t> maximum </a:t>
+                      </a:r>
+                      <a:r>
+                        <a:rPr lang="pl-PL" dirty="0" err="1"/>
+                        <a:t>speed</a:t>
+                      </a:r>
+                      <a:endParaRPr lang="pl-PL" dirty="0"/>
                     </a:p>
                   </a:txBody>
                   <a:tcPr/>
@@ -6108,8 +5639,12 @@
                     <a:lstStyle/>
                     <a:p>
                       <a:r>
+                        <a:rPr lang="pl-PL" dirty="0"/>
+                        <a:t>Pocket </a:t>
+                      </a:r>
+                      <a:r>
                         <a:rPr lang="pl-PL" dirty="0" err="1"/>
-                        <a:t>Speed</a:t>
+                        <a:t>size</a:t>
                       </a:r>
                       <a:endParaRPr lang="pl-PL" dirty="0"/>
                     </a:p>
@@ -6121,7 +5656,11 @@
                     <a:bodyPr/>
                     <a:lstStyle/>
                     <a:p>
-                      <a:endParaRPr lang="pl-PL"/>
+                      <a:r>
+                        <a:rPr lang="pl-PL" dirty="0" err="1"/>
+                        <a:t>unstable</a:t>
+                      </a:r>
+                      <a:endParaRPr lang="pl-PL" dirty="0"/>
                     </a:p>
                   </a:txBody>
                   <a:tcPr/>
@@ -6138,7 +5677,19 @@
                     <a:bodyPr/>
                     <a:lstStyle/>
                     <a:p>
-                      <a:endParaRPr lang="pl-PL"/>
+                      <a:r>
+                        <a:rPr lang="pl-PL" dirty="0" err="1"/>
+                        <a:t>Relatively</a:t>
+                      </a:r>
+                      <a:r>
+                        <a:rPr lang="pl-PL" dirty="0"/>
+                        <a:t> </a:t>
+                      </a:r>
+                      <a:r>
+                        <a:rPr lang="pl-PL" dirty="0" err="1"/>
+                        <a:t>cheap</a:t>
+                      </a:r>
+                      <a:endParaRPr lang="pl-PL" dirty="0"/>
                     </a:p>
                   </a:txBody>
                   <a:tcPr/>
@@ -6148,7 +5699,26 @@
                     <a:bodyPr/>
                     <a:lstStyle/>
                     <a:p>
-                      <a:endParaRPr lang="pl-PL"/>
+                      <a:r>
+                        <a:rPr lang="pl-PL" dirty="0"/>
+                        <a:t>Not </a:t>
+                      </a:r>
+                      <a:r>
+                        <a:rPr lang="pl-PL" dirty="0" err="1"/>
+                        <a:t>adapted</a:t>
+                      </a:r>
+                      <a:r>
+                        <a:rPr lang="pl-PL" dirty="0"/>
+                        <a:t> to </a:t>
+                      </a:r>
+                      <a:r>
+                        <a:rPr lang="pl-PL" dirty="0" err="1"/>
+                        <a:t>offroad</a:t>
+                      </a:r>
+                      <a:r>
+                        <a:rPr lang="pl-PL" dirty="0"/>
+                        <a:t> </a:t>
+                      </a:r>
                     </a:p>
                   </a:txBody>
                   <a:tcPr/>
@@ -6159,114 +5729,6 @@
                   </a:ext>
                 </a:extLst>
               </a:tr>
-              <a:tr h="370840">
-                <a:tc>
-                  <a:txBody>
-                    <a:bodyPr/>
-                    <a:lstStyle/>
-                    <a:p>
-                      <a:endParaRPr lang="pl-PL"/>
-                    </a:p>
-                  </a:txBody>
-                  <a:tcPr/>
-                </a:tc>
-                <a:tc>
-                  <a:txBody>
-                    <a:bodyPr/>
-                    <a:lstStyle/>
-                    <a:p>
-                      <a:endParaRPr lang="pl-PL"/>
-                    </a:p>
-                  </a:txBody>
-                  <a:tcPr/>
-                </a:tc>
-                <a:extLst>
-                  <a:ext uri="{0D108BD9-81ED-4DB2-BD59-A6C34878D82A}">
-                    <a16:rowId xmlns:a16="http://schemas.microsoft.com/office/drawing/2014/main" val="3897878173"/>
-                  </a:ext>
-                </a:extLst>
-              </a:tr>
-              <a:tr h="370840">
-                <a:tc>
-                  <a:txBody>
-                    <a:bodyPr/>
-                    <a:lstStyle/>
-                    <a:p>
-                      <a:endParaRPr lang="pl-PL"/>
-                    </a:p>
-                  </a:txBody>
-                  <a:tcPr/>
-                </a:tc>
-                <a:tc>
-                  <a:txBody>
-                    <a:bodyPr/>
-                    <a:lstStyle/>
-                    <a:p>
-                      <a:endParaRPr lang="pl-PL"/>
-                    </a:p>
-                  </a:txBody>
-                  <a:tcPr/>
-                </a:tc>
-                <a:extLst>
-                  <a:ext uri="{0D108BD9-81ED-4DB2-BD59-A6C34878D82A}">
-                    <a16:rowId xmlns:a16="http://schemas.microsoft.com/office/drawing/2014/main" val="159243160"/>
-                  </a:ext>
-                </a:extLst>
-              </a:tr>
-              <a:tr h="370840">
-                <a:tc>
-                  <a:txBody>
-                    <a:bodyPr/>
-                    <a:lstStyle/>
-                    <a:p>
-                      <a:endParaRPr lang="pl-PL" dirty="0"/>
-                    </a:p>
-                  </a:txBody>
-                  <a:tcPr/>
-                </a:tc>
-                <a:tc>
-                  <a:txBody>
-                    <a:bodyPr/>
-                    <a:lstStyle/>
-                    <a:p>
-                      <a:endParaRPr lang="pl-PL"/>
-                    </a:p>
-                  </a:txBody>
-                  <a:tcPr/>
-                </a:tc>
-                <a:extLst>
-                  <a:ext uri="{0D108BD9-81ED-4DB2-BD59-A6C34878D82A}">
-                    <a16:rowId xmlns:a16="http://schemas.microsoft.com/office/drawing/2014/main" val="2312612681"/>
-                  </a:ext>
-                </a:extLst>
-              </a:tr>
-              <a:tr h="370840">
-                <a:tc>
-                  <a:txBody>
-                    <a:bodyPr/>
-                    <a:lstStyle/>
-                    <a:p>
-                      <a:endParaRPr lang="pl-PL" dirty="0"/>
-                    </a:p>
-                  </a:txBody>
-                  <a:tcPr/>
-                </a:tc>
-                <a:tc>
-                  <a:txBody>
-                    <a:bodyPr/>
-                    <a:lstStyle/>
-                    <a:p>
-                      <a:endParaRPr lang="pl-PL" dirty="0"/>
-                    </a:p>
-                  </a:txBody>
-                  <a:tcPr/>
-                </a:tc>
-                <a:extLst>
-                  <a:ext uri="{0D108BD9-81ED-4DB2-BD59-A6C34878D82A}">
-                    <a16:rowId xmlns:a16="http://schemas.microsoft.com/office/drawing/2014/main" val="814698163"/>
-                  </a:ext>
-                </a:extLst>
-              </a:tr>
             </a:tbl>
           </a:graphicData>
         </a:graphic>
@@ -6274,7 +5736,7 @@
     </p:spTree>
     <p:extLst>
       <p:ext uri="{BB962C8B-B14F-4D97-AF65-F5344CB8AC3E}">
-        <p14:creationId xmlns:p14="http://schemas.microsoft.com/office/powerpoint/2010/main" val="3837124627"/>
+        <p14:creationId xmlns:p14="http://schemas.microsoft.com/office/powerpoint/2010/main" val="702470317"/>
       </p:ext>
     </p:extLst>
   </p:cSld>
@@ -6324,41 +5786,59 @@
           <a:p>
             <a:r>
               <a:rPr lang="pl-PL" dirty="0" err="1"/>
-              <a:t>Hoverboards</a:t>
+              <a:t>Electrics</a:t>
+            </a:r>
+            <a:r>
+              <a:rPr lang="pl-PL" dirty="0"/>
+              <a:t> </a:t>
+            </a:r>
+            <a:r>
+              <a:rPr lang="pl-PL" dirty="0" err="1"/>
+              <a:t>skateboards</a:t>
             </a:r>
             <a:endParaRPr lang="pl-PL" dirty="0"/>
           </a:p>
         </p:txBody>
       </p:sp>
-      <p:sp>
-        <p:nvSpPr>
-          <p:cNvPr id="4" name="Symbol zastępczy zawartości 3">
-            <a:extLst>
-              <a:ext uri="{FF2B5EF4-FFF2-40B4-BE49-F238E27FC236}">
-                <a16:creationId xmlns:a16="http://schemas.microsoft.com/office/drawing/2014/main" id="{85EB214E-74AA-4611-A14E-E9C1358AF40F}"/>
-              </a:ext>
-            </a:extLst>
-          </p:cNvPr>
-          <p:cNvSpPr>
-            <a:spLocks noGrp="1"/>
-          </p:cNvSpPr>
+      <p:pic>
+        <p:nvPicPr>
+          <p:cNvPr id="5" name="Symbol zastępczy zawartości 4">
+            <a:extLst>
+              <a:ext uri="{FF2B5EF4-FFF2-40B4-BE49-F238E27FC236}">
+                <a16:creationId xmlns:a16="http://schemas.microsoft.com/office/drawing/2014/main" id="{6D161BD5-0A8B-4300-BFB6-F6E649532C41}"/>
+              </a:ext>
+            </a:extLst>
+          </p:cNvPr>
+          <p:cNvPicPr>
+            <a:picLocks noGrp="1" noChangeAspect="1"/>
+          </p:cNvPicPr>
           <p:nvPr>
             <p:ph idx="1"/>
           </p:nvPr>
-        </p:nvSpPr>
-        <p:spPr/>
-        <p:txBody>
-          <a:bodyPr/>
-          <a:lstStyle/>
-          <a:p>
-            <a:endParaRPr lang="pl-PL"/>
-          </a:p>
-        </p:txBody>
-      </p:sp>
+        </p:nvPicPr>
+        <p:blipFill>
+          <a:blip r:embed="rId2">
+            <a:extLst>
+              <a:ext uri="{28A0092B-C50C-407E-A947-70E740481C1C}">
+                <a14:useLocalDpi xmlns:a14="http://schemas.microsoft.com/office/drawing/2010/main" val="0"/>
+              </a:ext>
+            </a:extLst>
+          </a:blip>
+          <a:stretch>
+            <a:fillRect/>
+          </a:stretch>
+        </p:blipFill>
+        <p:spPr>
+          <a:xfrm>
+            <a:off x="3700462" y="2596356"/>
+            <a:ext cx="4791075" cy="2809875"/>
+          </a:xfrm>
+        </p:spPr>
+      </p:pic>
     </p:spTree>
     <p:extLst>
       <p:ext uri="{BB962C8B-B14F-4D97-AF65-F5344CB8AC3E}">
-        <p14:creationId xmlns:p14="http://schemas.microsoft.com/office/powerpoint/2010/main" val="2690488154"/>
+        <p14:creationId xmlns:p14="http://schemas.microsoft.com/office/powerpoint/2010/main" val="3636472639"/>
       </p:ext>
     </p:extLst>
   </p:cSld>
